--- a/researchassignment/Presentation.pptx
+++ b/researchassignment/Presentation.pptx
@@ -6617,7 +6617,7 @@
         </p:nvSpPr>
         <p:spPr>
           <a:xfrm>
-            <a:off x="1371600" y="685799"/>
+            <a:off x="1371600" y="241299"/>
             <a:ext cx="9601200" cy="1355837"/>
           </a:xfrm>
         </p:spPr>
@@ -6654,7 +6654,7 @@
         </p:nvSpPr>
         <p:spPr>
           <a:xfrm>
-            <a:off x="1371600" y="2082800"/>
+            <a:off x="1371600" y="1597136"/>
             <a:ext cx="6007100" cy="4762500"/>
           </a:xfrm>
         </p:spPr>
@@ -6740,6 +6740,13 @@
               <a:rPr lang="en-US" dirty="0" smtClean="0"/>
               <a:t> after the merger on M31?</a:t>
             </a:r>
+          </a:p>
+          <a:p>
+            <a:pPr lvl="3"/>
+            <a:r>
+              <a:rPr lang="en-US" dirty="0" smtClean="0"/>
+              <a:t>I believe that stars will go further beyond.</a:t>
+            </a:r>
             <a:br>
               <a:rPr lang="en-US" dirty="0" smtClean="0"/>
             </a:br>
@@ -6757,7 +6764,7 @@
             </a:r>
             <a:r>
               <a:rPr lang="en-US" dirty="0" smtClean="0"/>
-              <a:t> and at radial distances beyond that, is there a possibility that the Stars will be ejected out of M31?</a:t>
+              <a:t> and at radial distances beyond that, is there a possibility that the Stars will be ejected out of M31 and to what fraction?</a:t>
             </a:r>
             <a:endParaRPr lang="en-US" dirty="0"/>
           </a:p>

--- a/researchassignment/Presentation.pptx
+++ b/researchassignment/Presentation.pptx
@@ -6808,7 +6808,7 @@
         </p:nvSpPr>
         <p:spPr>
           <a:xfrm>
-            <a:off x="3354324" y="2117836"/>
+            <a:off x="3354324" y="1597136"/>
             <a:ext cx="512064" cy="219456"/>
           </a:xfrm>
           <a:prstGeom prst="rightArrow">
